--- a/docs/lectures/lecture_01/01_03_take_homework.pptx
+++ b/docs/lectures/lecture_01/01_03_take_homework.pptx
@@ -9,6 +9,7 @@
     <p:sldId id="257" r:id="rId3"/>
     <p:sldId id="258" r:id="rId4"/>
     <p:sldId id="259" r:id="rId5"/>
+    <p:sldId id="260" r:id="rId6"/>
   </p:sldIdLst>
   <p:sldSz cx="9144000" cy="5143500" type="screen16x9"/>
   <p:notesSz cx="6858000" cy="9144000"/>
@@ -3553,7 +3554,7 @@
             <a:pPr lvl="0"/>
             <a:r>
               <a:rPr/>
-              <a:t>Create a quarto markdown file and open in</a:t>
+              <a:t>Create a quarto markdown file and open it</a:t>
             </a:r>
           </a:p>
           <a:p>
@@ -4014,10 +4015,66 @@
             <a:r>
               <a:rPr>
                 <a:solidFill>
+                  <a:srgbClr val="003B4F"/>
+                </a:solidFill>
+                <a:latin typeface="Courier"/>
+              </a:rPr>
+              <a:t>  cache</a:t>
+            </a:r>
+            <a:r>
+              <a:rPr>
+                <a:solidFill>
                   <a:srgbClr val="5E5E5E"/>
                 </a:solidFill>
                 <a:latin typeface="Courier"/>
               </a:rPr>
+              <a:t>:</a:t>
+            </a:r>
+            <a:r>
+              <a:rPr>
+                <a:solidFill>
+                  <a:srgbClr val="003B4F"/>
+                </a:solidFill>
+                <a:latin typeface="Courier"/>
+              </a:rPr>
+              <a:t> true</a:t>
+            </a:r>
+            <a:br/>
+            <a:r>
+              <a:rPr>
+                <a:solidFill>
+                  <a:srgbClr val="003B4F"/>
+                </a:solidFill>
+                <a:latin typeface="Courier"/>
+              </a:rPr>
+              <a:t>  echo</a:t>
+            </a:r>
+            <a:r>
+              <a:rPr>
+                <a:solidFill>
+                  <a:srgbClr val="5E5E5E"/>
+                </a:solidFill>
+                <a:latin typeface="Courier"/>
+              </a:rPr>
+              <a:t>:</a:t>
+            </a:r>
+            <a:r>
+              <a:rPr>
+                <a:solidFill>
+                  <a:srgbClr val="003B4F"/>
+                </a:solidFill>
+                <a:latin typeface="Courier"/>
+              </a:rPr>
+              <a:t> true</a:t>
+            </a:r>
+            <a:br/>
+            <a:r>
+              <a:rPr>
+                <a:solidFill>
+                  <a:srgbClr val="5E5E5E"/>
+                </a:solidFill>
+                <a:latin typeface="Courier"/>
+              </a:rPr>
               <a:t>---</a:t>
             </a:r>
             <a:r>
@@ -4030,6 +4087,44 @@
               <a:t> </a:t>
             </a:r>
           </a:p>
+        </p:txBody>
+      </p:sp>
+    </p:spTree>
+  </p:cSld>
+</p:sld>
+</file>
+
+<file path=ppt/slides/slide5.xml><?xml version="1.0" encoding="utf-8"?>
+<p:sld xmlns:a="http://schemas.openxmlformats.org/drawingml/2006/main" xmlns:r="http://schemas.openxmlformats.org/officeDocument/2006/relationships" xmlns:p="http://schemas.openxmlformats.org/presentationml/2006/main">
+  <p:cSld>
+    <p:spTree>
+      <p:nvGrpSpPr>
+        <p:cNvPr id="1" name=""/>
+        <p:cNvGrpSpPr/>
+        <p:nvPr/>
+      </p:nvGrpSpPr>
+      <p:grpSpPr>
+        <a:xfrm>
+          <a:off x="0" y="0"/>
+          <a:ext cx="0" cy="0"/>
+          <a:chOff x="0" y="0"/>
+          <a:chExt cx="0" cy="0"/>
+        </a:xfrm>
+      </p:grpSpPr>
+      <p:sp>
+        <p:nvSpPr>
+          <p:cNvPr id="3" name="Content Placeholder 2"/>
+          <p:cNvSpPr>
+            <a:spLocks noGrp="1"/>
+          </p:cNvSpPr>
+          <p:nvPr>
+            <p:ph idx="1"/>
+          </p:nvPr>
+        </p:nvSpPr>
+        <p:spPr/>
+        <p:txBody>
+          <a:bodyPr/>
+          <a:lstStyle/>
           <a:p>
             <a:pPr lvl="0"/>
             <a:r>
@@ -4208,6 +4303,45 @@
             <a:r>
               <a:rPr/>
               <a:t>be sure to have proper axis labels and units where necessary</a:t>
+            </a:r>
+          </a:p>
+          <a:p>
+            <a:pPr lvl="0" indent="0" marL="0">
+              <a:spcBef>
+                <a:spcPts val="3000"/>
+              </a:spcBef>
+              <a:buNone/>
+            </a:pPr>
+            <a:r>
+              <a:rPr b="1"/>
+              <a:t>What to turn in -</a:t>
+            </a:r>
+          </a:p>
+          <a:p>
+            <a:pPr lvl="0" indent="-342900" marL="342900">
+              <a:buAutoNum type="arabicPeriod"/>
+            </a:pPr>
+            <a:r>
+              <a:rPr/>
+              <a:t>a zipped or compressed folder of the entire project folder</a:t>
+            </a:r>
+          </a:p>
+          <a:p>
+            <a:pPr lvl="0" indent="-342900" marL="342900">
+              <a:buAutoNum type="arabicPeriod"/>
+            </a:pPr>
+            <a:r>
+              <a:rPr/>
+              <a:t>a self-contained html file showing the output</a:t>
+            </a:r>
+          </a:p>
+          <a:p>
+            <a:pPr lvl="0" indent="-342900" marL="342900">
+              <a:buAutoNum type="arabicPeriod"/>
+            </a:pPr>
+            <a:r>
+              <a:rPr/>
+              <a:t>annotations in the quarto file that shows or tells what is being done like in the class activities</a:t>
             </a:r>
           </a:p>
         </p:txBody>
